--- a/ppts/Hibernate.pptx
+++ b/ppts/Hibernate.pptx
@@ -143,10 +143,6 @@
 </p:presentation>
 </file>
 
-<file path=ppt/revisionInfo.xml><?xml version="1.0" encoding="utf-8"?>
-<p1510:revInfo xmlns:a="http://schemas.openxmlformats.org/drawingml/2006/main" xmlns:r="http://schemas.openxmlformats.org/officeDocument/2006/relationships" xmlns:p1510="http://schemas.microsoft.com/office/powerpoint/2015/10/main"/>
-</file>
-
 <file path=ppt/slideLayouts/slideLayout1.xml><?xml version="1.0" encoding="utf-8"?>
 <p:sldLayout xmlns:a="http://schemas.openxmlformats.org/drawingml/2006/main" xmlns:r="http://schemas.openxmlformats.org/officeDocument/2006/relationships" xmlns:p="http://schemas.openxmlformats.org/presentationml/2006/main" type="title" preserve="1">
   <p:cSld name="Title Slide">
@@ -329,7 +325,7 @@
             <a:fld id="{584225D9-932A-4814-BA5F-49F705319893}" type="datetimeFigureOut">
               <a:rPr lang="en-IN" smtClean="0"/>
               <a:pPr/>
-              <a:t>05-09-2017</a:t>
+              <a:t>05/05/21</a:t>
             </a:fld>
             <a:endParaRPr lang="en-IN"/>
           </a:p>
@@ -496,7 +492,7 @@
             <a:fld id="{584225D9-932A-4814-BA5F-49F705319893}" type="datetimeFigureOut">
               <a:rPr lang="en-IN" smtClean="0"/>
               <a:pPr/>
-              <a:t>05-09-2017</a:t>
+              <a:t>05/05/21</a:t>
             </a:fld>
             <a:endParaRPr lang="en-IN"/>
           </a:p>
@@ -673,7 +669,7 @@
             <a:fld id="{584225D9-932A-4814-BA5F-49F705319893}" type="datetimeFigureOut">
               <a:rPr lang="en-IN" smtClean="0"/>
               <a:pPr/>
-              <a:t>05-09-2017</a:t>
+              <a:t>05/05/21</a:t>
             </a:fld>
             <a:endParaRPr lang="en-IN"/>
           </a:p>
@@ -840,7 +836,7 @@
             <a:fld id="{584225D9-932A-4814-BA5F-49F705319893}" type="datetimeFigureOut">
               <a:rPr lang="en-IN" smtClean="0"/>
               <a:pPr/>
-              <a:t>05-09-2017</a:t>
+              <a:t>05/05/21</a:t>
             </a:fld>
             <a:endParaRPr lang="en-IN"/>
           </a:p>
@@ -1083,7 +1079,7 @@
             <a:fld id="{584225D9-932A-4814-BA5F-49F705319893}" type="datetimeFigureOut">
               <a:rPr lang="en-IN" smtClean="0"/>
               <a:pPr/>
-              <a:t>05-09-2017</a:t>
+              <a:t>05/05/21</a:t>
             </a:fld>
             <a:endParaRPr lang="en-IN"/>
           </a:p>
@@ -1368,7 +1364,7 @@
             <a:fld id="{584225D9-932A-4814-BA5F-49F705319893}" type="datetimeFigureOut">
               <a:rPr lang="en-IN" smtClean="0"/>
               <a:pPr/>
-              <a:t>05-09-2017</a:t>
+              <a:t>05/05/21</a:t>
             </a:fld>
             <a:endParaRPr lang="en-IN"/>
           </a:p>
@@ -1787,7 +1783,7 @@
             <a:fld id="{584225D9-932A-4814-BA5F-49F705319893}" type="datetimeFigureOut">
               <a:rPr lang="en-IN" smtClean="0"/>
               <a:pPr/>
-              <a:t>05-09-2017</a:t>
+              <a:t>05/05/21</a:t>
             </a:fld>
             <a:endParaRPr lang="en-IN"/>
           </a:p>
@@ -1902,7 +1898,7 @@
             <a:fld id="{584225D9-932A-4814-BA5F-49F705319893}" type="datetimeFigureOut">
               <a:rPr lang="en-IN" smtClean="0"/>
               <a:pPr/>
-              <a:t>05-09-2017</a:t>
+              <a:t>05/05/21</a:t>
             </a:fld>
             <a:endParaRPr lang="en-IN"/>
           </a:p>
@@ -1994,7 +1990,7 @@
             <a:fld id="{584225D9-932A-4814-BA5F-49F705319893}" type="datetimeFigureOut">
               <a:rPr lang="en-IN" smtClean="0"/>
               <a:pPr/>
-              <a:t>05-09-2017</a:t>
+              <a:t>05/05/21</a:t>
             </a:fld>
             <a:endParaRPr lang="en-IN"/>
           </a:p>
@@ -2268,7 +2264,7 @@
             <a:fld id="{584225D9-932A-4814-BA5F-49F705319893}" type="datetimeFigureOut">
               <a:rPr lang="en-IN" smtClean="0"/>
               <a:pPr/>
-              <a:t>05-09-2017</a:t>
+              <a:t>05/05/21</a:t>
             </a:fld>
             <a:endParaRPr lang="en-IN"/>
           </a:p>
@@ -2518,7 +2514,7 @@
             <a:fld id="{584225D9-932A-4814-BA5F-49F705319893}" type="datetimeFigureOut">
               <a:rPr lang="en-IN" smtClean="0"/>
               <a:pPr/>
-              <a:t>05-09-2017</a:t>
+              <a:t>05/05/21</a:t>
             </a:fld>
             <a:endParaRPr lang="en-IN"/>
           </a:p>
@@ -2728,7 +2724,7 @@
             <a:fld id="{584225D9-932A-4814-BA5F-49F705319893}" type="datetimeFigureOut">
               <a:rPr lang="en-IN" smtClean="0"/>
               <a:pPr/>
-              <a:t>05-09-2017</a:t>
+              <a:t>05/05/21</a:t>
             </a:fld>
             <a:endParaRPr lang="en-IN"/>
           </a:p>
@@ -3121,7 +3117,7 @@
           <a:p>
             <a:r>
               <a:rPr lang="en-US" dirty="0"/>
-              <a:t>3.6 with Annotation configuration</a:t>
+              <a:t>5x with Annotation configuration</a:t>
             </a:r>
             <a:endParaRPr lang="en-IN" dirty="0"/>
           </a:p>
@@ -3211,22 +3207,40 @@
             <p:ph idx="1"/>
           </p:nvPr>
         </p:nvSpPr>
-        <p:spPr/>
+        <p:spPr>
+          <a:xfrm>
+            <a:off x="457200" y="1417638"/>
+            <a:ext cx="8229600" cy="4525963"/>
+          </a:xfrm>
+        </p:spPr>
         <p:txBody>
           <a:bodyPr>
-            <a:normAutofit fontScale="92500" lnSpcReduction="10000"/>
+            <a:normAutofit fontScale="92500" lnSpcReduction="20000"/>
           </a:bodyPr>
           <a:lstStyle/>
           <a:p>
             <a:r>
               <a:rPr lang="en-IN" b="1" dirty="0"/>
-              <a:t>Vendor: Soft Tree</a:t>
-            </a:r>
+              <a:t>Vendor: Soft Tree </a:t>
+            </a:r>
+            <a:r>
+              <a:rPr lang="en-IN" b="1" dirty="0">
+                <a:sym typeface="Wingdings" pitchFamily="2" charset="2"/>
+              </a:rPr>
+              <a:t> </a:t>
+            </a:r>
+            <a:r>
+              <a:rPr lang="en-IN" b="1" dirty="0" err="1">
+                <a:sym typeface="Wingdings" pitchFamily="2" charset="2"/>
+              </a:rPr>
+              <a:t>jBoss</a:t>
+            </a:r>
+            <a:endParaRPr lang="en-IN" b="1" dirty="0"/>
           </a:p>
           <a:p>
             <a:r>
               <a:rPr lang="en-IN" b="1" dirty="0"/>
-              <a:t>Version: 4.x [Compatible with </a:t>
+              <a:t>Version: 6.x [Compatible with </a:t>
             </a:r>
             <a:r>
               <a:rPr lang="en-IN" b="1" dirty="0" err="1"/>
@@ -3234,7 +3248,7 @@
             </a:r>
             <a:r>
               <a:rPr lang="en-IN" b="1" dirty="0"/>
-              <a:t> 1.5 and above</a:t>
+              <a:t> 1.6 and above</a:t>
             </a:r>
           </a:p>
           <a:p>
@@ -3258,7 +3272,25 @@
           <a:p>
             <a:r>
               <a:rPr lang="en-IN" b="1" dirty="0"/>
-              <a:t>Help: www.forum.hibernate.org</a:t>
+              <a:t>Help: </a:t>
+            </a:r>
+            <a:r>
+              <a:rPr lang="en-IN" b="1" dirty="0">
+                <a:hlinkClick r:id="rId2"/>
+              </a:rPr>
+              <a:t>https://forum.hibernate.org</a:t>
+            </a:r>
+            <a:r>
+              <a:rPr lang="en-IN" b="1" dirty="0"/>
+              <a:t>  and      https://</a:t>
+            </a:r>
+            <a:r>
+              <a:rPr lang="en-IN" b="1" dirty="0" err="1"/>
+              <a:t>discourse.hibernate.org</a:t>
+            </a:r>
+            <a:r>
+              <a:rPr lang="en-IN" b="1" dirty="0"/>
+              <a:t>/</a:t>
             </a:r>
           </a:p>
           <a:p>
@@ -3425,7 +3457,15 @@
           <a:p>
             <a:r>
               <a:rPr lang="en-IN" dirty="0"/>
-              <a:t>Supports to call stored procedures and functions.</a:t>
+              <a:t>Supports to call stored procedures and functions.(using native </a:t>
+            </a:r>
+            <a:r>
+              <a:rPr lang="en-IN" dirty="0" err="1"/>
+              <a:t>sql</a:t>
+            </a:r>
+            <a:r>
+              <a:rPr lang="en-IN" dirty="0"/>
+              <a:t>)</a:t>
             </a:r>
           </a:p>
           <a:p>
@@ -3479,7 +3519,7 @@
         </p:spPr>
         <p:txBody>
           <a:bodyPr>
-            <a:normAutofit fontScale="77500" lnSpcReduction="20000"/>
+            <a:normAutofit fontScale="92500" lnSpcReduction="10000"/>
           </a:bodyPr>
           <a:lstStyle/>
           <a:p>
@@ -3563,21 +3603,10 @@
           <a:p>
             <a:pPr lvl="1"/>
             <a:r>
-              <a:rPr lang="en-IN" dirty="0"/>
+              <a:rPr lang="en-IN"/>
               <a:t>Native SQL</a:t>
             </a:r>
-          </a:p>
-          <a:p>
-            <a:r>
-              <a:rPr lang="en-IN" dirty="0"/>
-              <a:t>Hibernate applications are not distributed. Hence the setup of hibernate must reside with the</a:t>
-            </a:r>
-          </a:p>
-          <a:p>
-            <a:r>
-              <a:rPr lang="en-IN" dirty="0"/>
-              <a:t>application/component which needs to interact with database software.</a:t>
-            </a:r>
+            <a:endParaRPr lang="en-IN" dirty="0"/>
           </a:p>
         </p:txBody>
       </p:sp>
@@ -4582,7 +4611,7 @@
         </p:spPr>
         <p:txBody>
           <a:bodyPr>
-            <a:normAutofit fontScale="77500" lnSpcReduction="20000"/>
+            <a:normAutofit fontScale="70000" lnSpcReduction="20000"/>
           </a:bodyPr>
           <a:lstStyle/>
           <a:p>
@@ -4670,6 +4699,8 @@
               <a:rPr lang="en-IN" b="1" dirty="0"/>
               <a:t>. </a:t>
             </a:r>
+          </a:p>
+          <a:p>
             <a:r>
               <a:rPr lang="en-IN" dirty="0"/>
               <a:t>As the data became</a:t>
@@ -4689,19 +4720,11 @@
             </a:pPr>
             <a:r>
               <a:rPr lang="fr-FR" dirty="0"/>
-              <a:t>	Ex: - Flat files, </a:t>
+              <a:t>	Ex: - Flat files, Data base soft </a:t>
             </a:r>
             <a:r>
               <a:rPr lang="fr-FR" dirty="0" err="1"/>
-              <a:t>Database</a:t>
-            </a:r>
-            <a:r>
-              <a:rPr lang="fr-FR" dirty="0"/>
-              <a:t> soft </a:t>
-            </a:r>
-            <a:r>
-              <a:rPr lang="fr-FR" dirty="0" err="1"/>
-              <a:t>wares</a:t>
+              <a:t>ware</a:t>
             </a:r>
             <a:r>
               <a:rPr lang="fr-FR" dirty="0"/>
@@ -5432,7 +5455,15 @@
           <a:p>
             <a:r>
               <a:rPr lang="en-IN" sz="2800" dirty="0"/>
-              <a:t>(1st Rank) Hibernate [Soft Tree]</a:t>
+              <a:t>(1st Rank) Hibernate [Soft Tree -&gt; </a:t>
+            </a:r>
+            <a:r>
+              <a:rPr lang="en-IN" sz="2800" dirty="0" err="1"/>
+              <a:t>jBOSS</a:t>
+            </a:r>
+            <a:r>
+              <a:rPr lang="en-IN" sz="2800" dirty="0"/>
+              <a:t>]</a:t>
             </a:r>
           </a:p>
           <a:p>
@@ -5465,14 +5496,32 @@
           </a:p>
           <a:p>
             <a:r>
-              <a:rPr lang="en-IN" sz="2800" dirty="0"/>
-              <a:t>(4th Rank) Entity beans of EJB2.x/3.x [Sun Microsystems]</a:t>
-            </a:r>
-          </a:p>
-          <a:p>
-            <a:r>
               <a:rPr lang="it-IT" sz="2800" dirty="0"/>
-              <a:t>JPA [Java Persistence Api] [Sun Microsystems]</a:t>
+              <a:t>JPA [Java Persistence Api] [</a:t>
+            </a:r>
+            <a:r>
+              <a:rPr lang="it-IT" sz="2800" dirty="0" err="1"/>
+              <a:t>Sun</a:t>
+            </a:r>
+            <a:r>
+              <a:rPr lang="it-IT" sz="2800" dirty="0"/>
+              <a:t> </a:t>
+            </a:r>
+            <a:r>
+              <a:rPr lang="it-IT" sz="2800" dirty="0" err="1"/>
+              <a:t>Microsystems</a:t>
+            </a:r>
+            <a:r>
+              <a:rPr lang="it-IT" sz="2800" dirty="0"/>
+              <a:t> -&gt; </a:t>
+            </a:r>
+            <a:r>
+              <a:rPr lang="it-IT" sz="2800" dirty="0" err="1"/>
+              <a:t>oracle</a:t>
+            </a:r>
+            <a:r>
+              <a:rPr lang="it-IT" sz="2800" dirty="0"/>
+              <a:t>]</a:t>
             </a:r>
           </a:p>
           <a:p>
